--- a/about/Extraordinary Rhymes (Final).pptx
+++ b/about/Extraordinary Rhymes (Final).pptx
@@ -19,13 +19,13 @@
   <p:notesSz cx="6858000" cy="9144000"/>
   <p:embeddedFontLst>
     <p:embeddedFont>
-      <p:font typeface="Oswald" panose="020B0604020202020204" charset="0"/>
+      <p:font typeface="Average" panose="020B0604020202020204" charset="0"/>
       <p:regular r:id="rId9"/>
-      <p:bold r:id="rId10"/>
     </p:embeddedFont>
     <p:embeddedFont>
-      <p:font typeface="Average" panose="020B0604020202020204" charset="0"/>
-      <p:regular r:id="rId11"/>
+      <p:font typeface="Oswald" panose="020B0604020202020204" charset="0"/>
+      <p:regular r:id="rId10"/>
+      <p:bold r:id="rId11"/>
     </p:embeddedFont>
   </p:embeddedFontLst>
   <p:defaultTextStyle>
@@ -230,6 +230,11 @@
       </a:defRPr>
     </a:lvl9pPr>
   </p:defaultTextStyle>
+  <p:extLst>
+    <p:ext uri="{EFAFB233-063F-42B5-8137-9DF3F51BA10A}">
+      <p15:sldGuideLst xmlns:p15="http://schemas.microsoft.com/office/powerpoint/2012/main"/>
+    </p:ext>
+  </p:extLst>
 </p:presentation>
 </file>
 
@@ -5292,7 +5297,7 @@
       </p:grpSpPr>
       <p:pic>
         <p:nvPicPr>
-          <p:cNvPr id="7" name="Picture 6"/>
+          <p:cNvPr id="2" name="Picture 1"/>
           <p:cNvPicPr>
             <a:picLocks noChangeAspect="1"/>
           </p:cNvPicPr>

--- a/about/Extraordinary Rhymes (Final).pptx
+++ b/about/Extraordinary Rhymes (Final).pptx
@@ -19,13 +19,13 @@
   <p:notesSz cx="6858000" cy="9144000"/>
   <p:embeddedFontLst>
     <p:embeddedFont>
-      <p:font typeface="Average" panose="020B0604020202020204" charset="0"/>
+      <p:font typeface="Oswald" panose="020B0604020202020204" charset="0"/>
       <p:regular r:id="rId9"/>
+      <p:bold r:id="rId10"/>
     </p:embeddedFont>
     <p:embeddedFont>
-      <p:font typeface="Oswald" panose="020B0604020202020204" charset="0"/>
-      <p:regular r:id="rId10"/>
-      <p:bold r:id="rId11"/>
+      <p:font typeface="Average" panose="020B0604020202020204" charset="0"/>
+      <p:regular r:id="rId11"/>
     </p:embeddedFont>
   </p:embeddedFontLst>
   <p:defaultTextStyle>
@@ -5974,52 +5974,6 @@
             <a:r>
               <a:rPr lang="en" dirty="0"/>
               <a:t>Questions, comments, clarifications?</a:t>
-            </a:r>
-          </a:p>
-        </p:txBody>
-      </p:sp>
-      <p:sp>
-        <p:nvSpPr>
-          <p:cNvPr id="89" name="Shape 89"/>
-          <p:cNvSpPr txBox="1"/>
-          <p:nvPr/>
-        </p:nvSpPr>
-        <p:spPr>
-          <a:xfrm>
-            <a:off x="2607900" y="3021750"/>
-            <a:ext cx="3928200" cy="572700"/>
-          </a:xfrm>
-          <a:prstGeom prst="rect">
-            <a:avLst/>
-          </a:prstGeom>
-          <a:noFill/>
-          <a:ln>
-            <a:noFill/>
-          </a:ln>
-        </p:spPr>
-        <p:txBody>
-          <a:bodyPr lIns="91425" tIns="91425" rIns="91425" bIns="91425" anchor="t" anchorCtr="0">
-            <a:noAutofit/>
-          </a:bodyPr>
-          <a:lstStyle/>
-          <a:p>
-            <a:pPr lvl="0" algn="ctr">
-              <a:spcBef>
-                <a:spcPts val="0"/>
-              </a:spcBef>
-              <a:buNone/>
-            </a:pPr>
-            <a:r>
-              <a:rPr lang="en" sz="1800" dirty="0">
-                <a:solidFill>
-                  <a:srgbClr val="FFFFFF"/>
-                </a:solidFill>
-                <a:latin typeface="Oswald"/>
-                <a:ea typeface="Oswald"/>
-                <a:cs typeface="Oswald"/>
-                <a:sym typeface="Oswald"/>
-              </a:rPr>
-              <a:t>Yes Flanders, the world IS ending.</a:t>
             </a:r>
           </a:p>
         </p:txBody>
